--- a/Presentation.pptx
+++ b/Presentation.pptx
@@ -3596,7 +3596,7 @@
         <p:spPr>
           <a:xfrm>
             <a:off x="276860" y="4650105"/>
-            <a:ext cx="12190730" cy="922020"/>
+            <a:ext cx="12190730" cy="1198880"/>
           </a:xfrm>
           <a:prstGeom prst="rect">
             <a:avLst/>
@@ -3617,7 +3617,20 @@
           <a:p>
             <a:r>
               <a:rPr lang="en-US" altLang="en-US"/>
-              <a:t>Data Science Institute, Brown University                                                   </a:t>
+              <a:t>Data Science Institute, Brown University </a:t>
+            </a:r>
+            <a:endParaRPr lang="en-US" altLang="en-US"/>
+          </a:p>
+          <a:p>
+            <a:r>
+              <a:rPr lang="en-US" altLang="en-US">
+                <a:sym typeface="+mn-ea"/>
+              </a:rPr>
+              <a:t>https://github.com/chentonghao/Midterm</a:t>
+            </a:r>
+            <a:r>
+              <a:rPr lang="en-US" altLang="en-US"/>
+              <a:t>                                                  </a:t>
             </a:r>
             <a:endParaRPr lang="en-US" altLang="en-US"/>
           </a:p>
